--- a/powerpoint files/Session2.pptx
+++ b/powerpoint files/Session2.pptx
@@ -153,14 +153,6 @@
           <pc:docMk/>
           <pc:sldMk cId="0" sldId="256"/>
         </pc:sldMkLst>
-        <pc:spChg chg="mod">
-          <ac:chgData name="Srinivasa Rao" userId="a6b54366-f13d-4292-8bb4-f06c50909b1e" providerId="ADAL" clId="{0D58605D-500A-234E-A902-9EC193FEA9B1}" dt="2023-10-30T17:18:34.246" v="5"/>
-          <ac:spMkLst>
-            <pc:docMk/>
-            <pc:sldMk cId="0" sldId="256"/>
-            <ac:spMk id="153" creationId="{00000000-0000-0000-0000-000000000000}"/>
-          </ac:spMkLst>
-        </pc:spChg>
       </pc:sldChg>
       <pc:sldChg chg="modSp mod">
         <pc:chgData name="Srinivasa Rao" userId="a6b54366-f13d-4292-8bb4-f06c50909b1e" providerId="ADAL" clId="{0D58605D-500A-234E-A902-9EC193FEA9B1}" dt="2023-11-07T08:58:25.666" v="15" actId="1037"/>
@@ -168,38 +160,6 @@
           <pc:docMk/>
           <pc:sldMk cId="0" sldId="263"/>
         </pc:sldMkLst>
-        <pc:spChg chg="mod">
-          <ac:chgData name="Srinivasa Rao" userId="a6b54366-f13d-4292-8bb4-f06c50909b1e" providerId="ADAL" clId="{0D58605D-500A-234E-A902-9EC193FEA9B1}" dt="2023-11-07T08:58:14.378" v="7" actId="14100"/>
-          <ac:spMkLst>
-            <pc:docMk/>
-            <pc:sldMk cId="0" sldId="263"/>
-            <ac:spMk id="195" creationId="{00000000-0000-0000-0000-000000000000}"/>
-          </ac:spMkLst>
-        </pc:spChg>
-        <pc:spChg chg="mod">
-          <ac:chgData name="Srinivasa Rao" userId="a6b54366-f13d-4292-8bb4-f06c50909b1e" providerId="ADAL" clId="{0D58605D-500A-234E-A902-9EC193FEA9B1}" dt="2023-11-07T08:58:06.315" v="6" actId="1076"/>
-          <ac:spMkLst>
-            <pc:docMk/>
-            <pc:sldMk cId="0" sldId="263"/>
-            <ac:spMk id="196" creationId="{00000000-0000-0000-0000-000000000000}"/>
-          </ac:spMkLst>
-        </pc:spChg>
-        <pc:spChg chg="mod">
-          <ac:chgData name="Srinivasa Rao" userId="a6b54366-f13d-4292-8bb4-f06c50909b1e" providerId="ADAL" clId="{0D58605D-500A-234E-A902-9EC193FEA9B1}" dt="2023-11-07T08:58:25.666" v="15" actId="1037"/>
-          <ac:spMkLst>
-            <pc:docMk/>
-            <pc:sldMk cId="0" sldId="263"/>
-            <ac:spMk id="197" creationId="{00000000-0000-0000-0000-000000000000}"/>
-          </ac:spMkLst>
-        </pc:spChg>
-        <pc:spChg chg="mod">
-          <ac:chgData name="Srinivasa Rao" userId="a6b54366-f13d-4292-8bb4-f06c50909b1e" providerId="ADAL" clId="{0D58605D-500A-234E-A902-9EC193FEA9B1}" dt="2023-11-07T08:58:25.666" v="15" actId="1037"/>
-          <ac:spMkLst>
-            <pc:docMk/>
-            <pc:sldMk cId="0" sldId="263"/>
-            <ac:spMk id="198" creationId="{00000000-0000-0000-0000-000000000000}"/>
-          </ac:spMkLst>
-        </pc:spChg>
       </pc:sldChg>
     </pc:docChg>
   </pc:docChgLst>
@@ -251,6 +211,53 @@
     </pc:docChg>
   </pc:docChgLst>
   <pc:docChgLst>
+    <pc:chgData name="Srinivasa Rao" userId="a6b54366-f13d-4292-8bb4-f06c50909b1e" providerId="ADAL" clId="{8C4B9ECD-0039-B04E-A548-206A484E555B}"/>
+    <pc:docChg chg="modSld">
+      <pc:chgData name="Srinivasa Rao" userId="a6b54366-f13d-4292-8bb4-f06c50909b1e" providerId="ADAL" clId="{8C4B9ECD-0039-B04E-A548-206A484E555B}" dt="2025-02-02T20:41:27.569" v="28" actId="20577"/>
+      <pc:docMkLst>
+        <pc:docMk/>
+      </pc:docMkLst>
+      <pc:sldChg chg="modSp mod">
+        <pc:chgData name="Srinivasa Rao" userId="a6b54366-f13d-4292-8bb4-f06c50909b1e" providerId="ADAL" clId="{8C4B9ECD-0039-B04E-A548-206A484E555B}" dt="2025-02-02T20:41:27.569" v="28" actId="20577"/>
+        <pc:sldMkLst>
+          <pc:docMk/>
+          <pc:sldMk cId="0" sldId="256"/>
+        </pc:sldMkLst>
+        <pc:spChg chg="mod">
+          <ac:chgData name="Srinivasa Rao" userId="a6b54366-f13d-4292-8bb4-f06c50909b1e" providerId="ADAL" clId="{8C4B9ECD-0039-B04E-A548-206A484E555B}" dt="2025-02-02T20:41:27.569" v="28" actId="20577"/>
+          <ac:spMkLst>
+            <pc:docMk/>
+            <pc:sldMk cId="0" sldId="256"/>
+            <ac:spMk id="153" creationId="{00000000-0000-0000-0000-000000000000}"/>
+          </ac:spMkLst>
+        </pc:spChg>
+      </pc:sldChg>
+      <pc:sldChg chg="modSp mod">
+        <pc:chgData name="Srinivasa Rao" userId="a6b54366-f13d-4292-8bb4-f06c50909b1e" providerId="ADAL" clId="{8C4B9ECD-0039-B04E-A548-206A484E555B}" dt="2025-02-02T20:41:18.892" v="20" actId="20577"/>
+        <pc:sldMkLst>
+          <pc:docMk/>
+          <pc:sldMk cId="0" sldId="279"/>
+        </pc:sldMkLst>
+        <pc:spChg chg="mod">
+          <ac:chgData name="Srinivasa Rao" userId="a6b54366-f13d-4292-8bb4-f06c50909b1e" providerId="ADAL" clId="{8C4B9ECD-0039-B04E-A548-206A484E555B}" dt="2025-02-02T20:41:18.892" v="20" actId="20577"/>
+          <ac:spMkLst>
+            <pc:docMk/>
+            <pc:sldMk cId="0" sldId="279"/>
+            <ac:spMk id="228" creationId="{00000000-0000-0000-0000-000000000000}"/>
+          </ac:spMkLst>
+        </pc:spChg>
+        <pc:spChg chg="mod">
+          <ac:chgData name="Srinivasa Rao" userId="a6b54366-f13d-4292-8bb4-f06c50909b1e" providerId="ADAL" clId="{8C4B9ECD-0039-B04E-A548-206A484E555B}" dt="2025-02-02T20:41:02.233" v="7" actId="20577"/>
+          <ac:spMkLst>
+            <pc:docMk/>
+            <pc:sldMk cId="0" sldId="279"/>
+            <ac:spMk id="229" creationId="{00000000-0000-0000-0000-000000000000}"/>
+          </ac:spMkLst>
+        </pc:spChg>
+      </pc:sldChg>
+    </pc:docChg>
+  </pc:docChgLst>
+  <pc:docChgLst>
     <pc:chgData name="Srinivasa Rao" userId="a6b54366-f13d-4292-8bb4-f06c50909b1e" providerId="ADAL" clId="{56280898-E8C8-454B-AAB7-BBADE1ACE9D6}"/>
     <pc:docChg chg="undo custSel addSld modSld">
       <pc:chgData name="Srinivasa Rao" userId="a6b54366-f13d-4292-8bb4-f06c50909b1e" providerId="ADAL" clId="{56280898-E8C8-454B-AAB7-BBADE1ACE9D6}" dt="2024-04-22T19:31:34.352" v="15" actId="20577"/>
@@ -263,22 +270,6 @@
           <pc:docMk/>
           <pc:sldMk cId="0" sldId="256"/>
         </pc:sldMkLst>
-        <pc:spChg chg="add del">
-          <ac:chgData name="Srinivasa Rao" userId="a6b54366-f13d-4292-8bb4-f06c50909b1e" providerId="ADAL" clId="{56280898-E8C8-454B-AAB7-BBADE1ACE9D6}" dt="2024-04-22T19:30:40.992" v="1" actId="22"/>
-          <ac:spMkLst>
-            <pc:docMk/>
-            <pc:sldMk cId="0" sldId="256"/>
-            <ac:spMk id="3" creationId="{78EB1D62-18BD-78C7-08CF-1B8397A52A20}"/>
-          </ac:spMkLst>
-        </pc:spChg>
-        <pc:spChg chg="mod">
-          <ac:chgData name="Srinivasa Rao" userId="a6b54366-f13d-4292-8bb4-f06c50909b1e" providerId="ADAL" clId="{56280898-E8C8-454B-AAB7-BBADE1ACE9D6}" dt="2024-04-22T19:31:34.352" v="15" actId="20577"/>
-          <ac:spMkLst>
-            <pc:docMk/>
-            <pc:sldMk cId="0" sldId="256"/>
-            <ac:spMk id="153" creationId="{00000000-0000-0000-0000-000000000000}"/>
-          </ac:spMkLst>
-        </pc:spChg>
       </pc:sldChg>
       <pc:sldChg chg="modSp add mod">
         <pc:chgData name="Srinivasa Rao" userId="a6b54366-f13d-4292-8bb4-f06c50909b1e" providerId="ADAL" clId="{56280898-E8C8-454B-AAB7-BBADE1ACE9D6}" dt="2024-04-22T19:31:20.222" v="8" actId="20577"/>
@@ -286,14 +277,6 @@
           <pc:docMk/>
           <pc:sldMk cId="0" sldId="279"/>
         </pc:sldMkLst>
-        <pc:spChg chg="mod">
-          <ac:chgData name="Srinivasa Rao" userId="a6b54366-f13d-4292-8bb4-f06c50909b1e" providerId="ADAL" clId="{56280898-E8C8-454B-AAB7-BBADE1ACE9D6}" dt="2024-04-22T19:31:20.222" v="8" actId="20577"/>
-          <ac:spMkLst>
-            <pc:docMk/>
-            <pc:sldMk cId="0" sldId="279"/>
-            <ac:spMk id="228" creationId="{00000000-0000-0000-0000-000000000000}"/>
-          </ac:spMkLst>
-        </pc:spChg>
       </pc:sldChg>
     </pc:docChg>
   </pc:docChgLst>
@@ -310,14 +293,6 @@
           <pc:docMk/>
           <pc:sldMk cId="0" sldId="256"/>
         </pc:sldMkLst>
-        <pc:spChg chg="mod">
-          <ac:chgData name="Srinivasa Rao" userId="a6b54366-f13d-4292-8bb4-f06c50909b1e" providerId="ADAL" clId="{4A184BB2-65C9-2A4D-8FB7-88CF0A21D992}" dt="2024-02-20T08:13:57.547" v="0"/>
-          <ac:spMkLst>
-            <pc:docMk/>
-            <pc:sldMk cId="0" sldId="256"/>
-            <ac:spMk id="153" creationId="{00000000-0000-0000-0000-000000000000}"/>
-          </ac:spMkLst>
-        </pc:spChg>
       </pc:sldChg>
     </pc:docChg>
   </pc:docChgLst>
@@ -8696,15 +8671,7 @@
             </a:br>
             <a:r>
               <a:rPr lang="en-GB" dirty="0"/>
-              <a:t>We’ll start </a:t>
-            </a:r>
-            <a:r>
-              <a:rPr lang="en-GB"/>
-              <a:t>at 13:30, </a:t>
-            </a:r>
-            <a:r>
-              <a:rPr lang="en-GB" dirty="0"/>
-              <a:t>please ask if you have any issues with installation of R and RStudio</a:t>
+              <a:t>We’ll start at 10:00, please ask if you have any issues with installation of R and RStudio</a:t>
             </a:r>
             <a:endParaRPr lang="en-GB" sz="4400" b="0" strike="noStrike" spc="-1" dirty="0">
               <a:latin typeface="Arial"/>
@@ -8794,7 +8761,7 @@
                 <a:latin typeface="Calibri"/>
                 <a:ea typeface="DejaVu Sans"/>
               </a:rPr>
-              <a:t>Michaelmas 2024</a:t>
+              <a:t>Hilary 2025</a:t>
             </a:r>
             <a:endParaRPr lang="en-GB" sz="3200" b="0" strike="noStrike" spc="-1" dirty="0">
               <a:latin typeface="Arial"/>
@@ -12621,7 +12588,7 @@
                 <a:latin typeface="Calibri"/>
                 <a:ea typeface="DejaVu Sans"/>
               </a:rPr>
-              <a:t>Michaelmas 2024</a:t>
+              <a:t>Hilary 2025</a:t>
             </a:r>
             <a:endParaRPr lang="en-GB" sz="3200" b="0" strike="noStrike" spc="-1" dirty="0">
               <a:latin typeface="Arial"/>
